--- a/django_async_veiw_presentation.pptx
+++ b/django_async_veiw_presentation.pptx
@@ -208,7 +208,7 @@
           <a:p>
             <a:fld id="{A9B722AB-5158-48EA-9537-A3F688C350BB}" type="datetimeFigureOut">
               <a:rPr lang="tr-TR" smtClean="0"/>
-              <a:t>19.11.2023</a:t>
+              <a:t>20.11.2023</a:t>
             </a:fld>
             <a:endParaRPr lang="tr-TR"/>
           </a:p>
@@ -709,7 +709,7 @@
           <a:p>
             <a:fld id="{8DED1CC0-101A-4DB1-AB88-4F64EA192B42}" type="datetimeFigureOut">
               <a:rPr lang="tr-TR" smtClean="0"/>
-              <a:t>19.11.2023</a:t>
+              <a:t>20.11.2023</a:t>
             </a:fld>
             <a:endParaRPr lang="tr-TR"/>
           </a:p>
@@ -909,7 +909,7 @@
           <a:p>
             <a:fld id="{8DED1CC0-101A-4DB1-AB88-4F64EA192B42}" type="datetimeFigureOut">
               <a:rPr lang="tr-TR" smtClean="0"/>
-              <a:t>19.11.2023</a:t>
+              <a:t>20.11.2023</a:t>
             </a:fld>
             <a:endParaRPr lang="tr-TR"/>
           </a:p>
@@ -1119,7 +1119,7 @@
           <a:p>
             <a:fld id="{8DED1CC0-101A-4DB1-AB88-4F64EA192B42}" type="datetimeFigureOut">
               <a:rPr lang="tr-TR" smtClean="0"/>
-              <a:t>19.11.2023</a:t>
+              <a:t>20.11.2023</a:t>
             </a:fld>
             <a:endParaRPr lang="tr-TR"/>
           </a:p>
@@ -1319,7 +1319,7 @@
           <a:p>
             <a:fld id="{8DED1CC0-101A-4DB1-AB88-4F64EA192B42}" type="datetimeFigureOut">
               <a:rPr lang="tr-TR" smtClean="0"/>
-              <a:t>19.11.2023</a:t>
+              <a:t>20.11.2023</a:t>
             </a:fld>
             <a:endParaRPr lang="tr-TR"/>
           </a:p>
@@ -1595,7 +1595,7 @@
           <a:p>
             <a:fld id="{8DED1CC0-101A-4DB1-AB88-4F64EA192B42}" type="datetimeFigureOut">
               <a:rPr lang="tr-TR" smtClean="0"/>
-              <a:t>19.11.2023</a:t>
+              <a:t>20.11.2023</a:t>
             </a:fld>
             <a:endParaRPr lang="tr-TR"/>
           </a:p>
@@ -1863,7 +1863,7 @@
           <a:p>
             <a:fld id="{8DED1CC0-101A-4DB1-AB88-4F64EA192B42}" type="datetimeFigureOut">
               <a:rPr lang="tr-TR" smtClean="0"/>
-              <a:t>19.11.2023</a:t>
+              <a:t>20.11.2023</a:t>
             </a:fld>
             <a:endParaRPr lang="tr-TR"/>
           </a:p>
@@ -2278,7 +2278,7 @@
           <a:p>
             <a:fld id="{8DED1CC0-101A-4DB1-AB88-4F64EA192B42}" type="datetimeFigureOut">
               <a:rPr lang="tr-TR" smtClean="0"/>
-              <a:t>19.11.2023</a:t>
+              <a:t>20.11.2023</a:t>
             </a:fld>
             <a:endParaRPr lang="tr-TR"/>
           </a:p>
@@ -2420,7 +2420,7 @@
           <a:p>
             <a:fld id="{8DED1CC0-101A-4DB1-AB88-4F64EA192B42}" type="datetimeFigureOut">
               <a:rPr lang="tr-TR" smtClean="0"/>
-              <a:t>19.11.2023</a:t>
+              <a:t>20.11.2023</a:t>
             </a:fld>
             <a:endParaRPr lang="tr-TR"/>
           </a:p>
@@ -2533,7 +2533,7 @@
           <a:p>
             <a:fld id="{8DED1CC0-101A-4DB1-AB88-4F64EA192B42}" type="datetimeFigureOut">
               <a:rPr lang="tr-TR" smtClean="0"/>
-              <a:t>19.11.2023</a:t>
+              <a:t>20.11.2023</a:t>
             </a:fld>
             <a:endParaRPr lang="tr-TR"/>
           </a:p>
@@ -2846,7 +2846,7 @@
           <a:p>
             <a:fld id="{8DED1CC0-101A-4DB1-AB88-4F64EA192B42}" type="datetimeFigureOut">
               <a:rPr lang="tr-TR" smtClean="0"/>
-              <a:t>19.11.2023</a:t>
+              <a:t>20.11.2023</a:t>
             </a:fld>
             <a:endParaRPr lang="tr-TR"/>
           </a:p>
@@ -3135,7 +3135,7 @@
           <a:p>
             <a:fld id="{8DED1CC0-101A-4DB1-AB88-4F64EA192B42}" type="datetimeFigureOut">
               <a:rPr lang="tr-TR" smtClean="0"/>
-              <a:t>19.11.2023</a:t>
+              <a:t>20.11.2023</a:t>
             </a:fld>
             <a:endParaRPr lang="tr-TR"/>
           </a:p>
@@ -3378,7 +3378,7 @@
           <a:p>
             <a:fld id="{8DED1CC0-101A-4DB1-AB88-4F64EA192B42}" type="datetimeFigureOut">
               <a:rPr lang="tr-TR" smtClean="0"/>
-              <a:t>19.11.2023</a:t>
+              <a:t>20.11.2023</a:t>
             </a:fld>
             <a:endParaRPr lang="tr-TR"/>
           </a:p>
@@ -5022,20 +5022,20 @@
               </a:rPr>
               <a:t>Challenges</a:t>
             </a:r>
-            <a:br>
-              <a:rPr lang="tr-TR" sz="4000" b="1" i="0">
-                <a:effectLst/>
+            <a:r>
+              <a:rPr lang="tr-TR" sz="4000" b="1" dirty="0">
                 <a:latin typeface="Söhne"/>
               </a:rPr>
-            </a:br>
+              <a:t> </a:t>
+            </a:r>
             <a:r>
               <a:rPr lang="en-US" sz="4000" b="1" i="0" dirty="0">
                 <a:effectLst/>
                 <a:latin typeface="Söhne"/>
               </a:rPr>
-              <a:t> and Considerations</a:t>
-            </a:r>
-            <a:endParaRPr lang="tr-TR" sz="4000"/>
+              <a:t>and Considerations</a:t>
+            </a:r>
+            <a:endParaRPr lang="tr-TR" sz="4000" dirty="0"/>
           </a:p>
         </p:txBody>
       </p:sp>
@@ -5152,13 +5152,13 @@
               <a:buChar char="•"/>
             </a:pPr>
             <a:r>
-              <a:rPr lang="en-US" sz="2200" b="1" i="0" dirty="0">
+              <a:rPr lang="en-US" sz="2200" i="0" dirty="0">
                 <a:effectLst/>
                 <a:latin typeface="Söhne"/>
               </a:rPr>
               <a:t>Complexity</a:t>
             </a:r>
-            <a:endParaRPr lang="tr-TR" sz="2200" b="1" i="0">
+            <a:endParaRPr lang="tr-TR" sz="2200" i="0" dirty="0">
               <a:effectLst/>
               <a:latin typeface="Söhne"/>
             </a:endParaRPr>
@@ -5169,13 +5169,13 @@
               <a:buChar char="•"/>
             </a:pPr>
             <a:r>
-              <a:rPr lang="en-US" sz="2200" b="1" i="0" dirty="0">
+              <a:rPr lang="en-US" sz="2200" i="0" dirty="0">
                 <a:effectLst/>
                 <a:latin typeface="Söhne"/>
               </a:rPr>
               <a:t>Debugging</a:t>
             </a:r>
-            <a:endParaRPr lang="tr-TR" sz="2200" b="1" i="0">
+            <a:endParaRPr lang="tr-TR" sz="2200" i="0" dirty="0">
               <a:effectLst/>
               <a:latin typeface="Söhne"/>
             </a:endParaRPr>
@@ -5186,13 +5186,13 @@
               <a:buChar char="•"/>
             </a:pPr>
             <a:r>
-              <a:rPr lang="en-US" sz="2200" b="1" i="0" dirty="0">
+              <a:rPr lang="en-US" sz="2200" i="0" dirty="0">
                 <a:effectLst/>
                 <a:latin typeface="Söhne"/>
               </a:rPr>
               <a:t>Compatibility</a:t>
             </a:r>
-            <a:endParaRPr lang="tr-TR" sz="2200" b="1" i="0">
+            <a:endParaRPr lang="tr-TR" sz="2200" i="0" dirty="0">
               <a:effectLst/>
               <a:latin typeface="Söhne"/>
             </a:endParaRPr>
@@ -5201,7 +5201,7 @@
             <a:pPr marL="0" indent="0">
               <a:buNone/>
             </a:pPr>
-            <a:endParaRPr lang="tr-TR" sz="2200" b="1">
+            <a:endParaRPr lang="tr-TR" sz="2200" b="1" dirty="0">
               <a:latin typeface="Söhne"/>
             </a:endParaRPr>
           </a:p>
@@ -5223,13 +5223,13 @@
               <a:buChar char="•"/>
             </a:pPr>
             <a:r>
-              <a:rPr lang="en-US" sz="2200" b="1" i="0" dirty="0">
+              <a:rPr lang="en-US" sz="2200" i="0" dirty="0">
                 <a:effectLst/>
                 <a:latin typeface="Söhne"/>
               </a:rPr>
               <a:t>Partial Adoption</a:t>
             </a:r>
-            <a:endParaRPr lang="tr-TR" sz="2200" b="1" i="0">
+            <a:endParaRPr lang="tr-TR" sz="2200" i="0" dirty="0">
               <a:effectLst/>
               <a:latin typeface="Söhne"/>
             </a:endParaRPr>
@@ -5240,16 +5240,12 @@
               <a:buChar char="•"/>
             </a:pPr>
             <a:r>
-              <a:rPr lang="en-US" sz="2200" b="1" i="0" dirty="0">
+              <a:rPr lang="en-US" sz="2200" i="0" dirty="0">
                 <a:effectLst/>
                 <a:latin typeface="Söhne"/>
               </a:rPr>
               <a:t>Dependencies</a:t>
             </a:r>
-            <a:endParaRPr lang="en-US" sz="2200" b="0" i="0" dirty="0">
-              <a:effectLst/>
-              <a:latin typeface="Söhne"/>
-            </a:endParaRPr>
           </a:p>
         </p:txBody>
       </p:sp>
@@ -6712,8 +6708,8 @@
         </p:nvSpPr>
         <p:spPr>
           <a:xfrm>
-            <a:off x="841248" y="3337269"/>
-            <a:ext cx="10509504" cy="2905686"/>
+            <a:off x="841247" y="3337269"/>
+            <a:ext cx="10699723" cy="2905686"/>
           </a:xfrm>
         </p:spPr>
         <p:txBody>
@@ -6802,7 +6798,7 @@
               <a:rPr lang="tr-TR" sz="2000" dirty="0">
                 <a:latin typeface="Söhne"/>
               </a:rPr>
-              <a:t> , </a:t>
+              <a:t>  &amp;  </a:t>
             </a:r>
             <a:r>
               <a:rPr lang="tr-TR" sz="2000" dirty="0">
